--- a/images/1-server-validation.pptx
+++ b/images/1-server-validation.pptx
@@ -199,7 +199,7 @@
           <a:p>
             <a:fld id="{40ACC6E3-AF7A-7946-AED0-0A9E30E6CB59}" type="datetimeFigureOut">
               <a:rPr lang="en-US" smtClean="0"/>
-              <a:t>9/27/18</a:t>
+              <a:t>10/7/20</a:t>
             </a:fld>
             <a:endParaRPr lang="en-US"/>
           </a:p>
@@ -1049,7 +1049,7 @@
           <a:p>
             <a:fld id="{70D01A08-6681-9849-9BAF-A7757C293554}" type="datetimeFigureOut">
               <a:rPr lang="en-US" smtClean="0"/>
-              <a:t>9/27/18</a:t>
+              <a:t>10/7/20</a:t>
             </a:fld>
             <a:endParaRPr lang="en-US"/>
           </a:p>
@@ -1214,7 +1214,7 @@
           <a:p>
             <a:fld id="{70D01A08-6681-9849-9BAF-A7757C293554}" type="datetimeFigureOut">
               <a:rPr lang="en-US" smtClean="0"/>
-              <a:t>9/27/18</a:t>
+              <a:t>10/7/20</a:t>
             </a:fld>
             <a:endParaRPr lang="en-US"/>
           </a:p>
@@ -1389,7 +1389,7 @@
           <a:p>
             <a:fld id="{70D01A08-6681-9849-9BAF-A7757C293554}" type="datetimeFigureOut">
               <a:rPr lang="en-US" smtClean="0"/>
-              <a:t>9/27/18</a:t>
+              <a:t>10/7/20</a:t>
             </a:fld>
             <a:endParaRPr lang="en-US"/>
           </a:p>
@@ -1554,7 +1554,7 @@
           <a:p>
             <a:fld id="{70D01A08-6681-9849-9BAF-A7757C293554}" type="datetimeFigureOut">
               <a:rPr lang="en-US" smtClean="0"/>
-              <a:t>9/27/18</a:t>
+              <a:t>10/7/20</a:t>
             </a:fld>
             <a:endParaRPr lang="en-US"/>
           </a:p>
@@ -1795,7 +1795,7 @@
           <a:p>
             <a:fld id="{70D01A08-6681-9849-9BAF-A7757C293554}" type="datetimeFigureOut">
               <a:rPr lang="en-US" smtClean="0"/>
-              <a:t>9/27/18</a:t>
+              <a:t>10/7/20</a:t>
             </a:fld>
             <a:endParaRPr lang="en-US"/>
           </a:p>
@@ -2022,7 +2022,7 @@
           <a:p>
             <a:fld id="{70D01A08-6681-9849-9BAF-A7757C293554}" type="datetimeFigureOut">
               <a:rPr lang="en-US" smtClean="0"/>
-              <a:t>9/27/18</a:t>
+              <a:t>10/7/20</a:t>
             </a:fld>
             <a:endParaRPr lang="en-US"/>
           </a:p>
@@ -2384,7 +2384,7 @@
           <a:p>
             <a:fld id="{70D01A08-6681-9849-9BAF-A7757C293554}" type="datetimeFigureOut">
               <a:rPr lang="en-US" smtClean="0"/>
-              <a:t>9/27/18</a:t>
+              <a:t>10/7/20</a:t>
             </a:fld>
             <a:endParaRPr lang="en-US"/>
           </a:p>
@@ -2497,7 +2497,7 @@
           <a:p>
             <a:fld id="{70D01A08-6681-9849-9BAF-A7757C293554}" type="datetimeFigureOut">
               <a:rPr lang="en-US" smtClean="0"/>
-              <a:t>9/27/18</a:t>
+              <a:t>10/7/20</a:t>
             </a:fld>
             <a:endParaRPr lang="en-US"/>
           </a:p>
@@ -2587,7 +2587,7 @@
           <a:p>
             <a:fld id="{70D01A08-6681-9849-9BAF-A7757C293554}" type="datetimeFigureOut">
               <a:rPr lang="en-US" smtClean="0"/>
-              <a:t>9/27/18</a:t>
+              <a:t>10/7/20</a:t>
             </a:fld>
             <a:endParaRPr lang="en-US"/>
           </a:p>
@@ -2859,7 +2859,7 @@
           <a:p>
             <a:fld id="{70D01A08-6681-9849-9BAF-A7757C293554}" type="datetimeFigureOut">
               <a:rPr lang="en-US" smtClean="0"/>
-              <a:t>9/27/18</a:t>
+              <a:t>10/7/20</a:t>
             </a:fld>
             <a:endParaRPr lang="en-US"/>
           </a:p>
@@ -3110,7 +3110,7 @@
           <a:p>
             <a:fld id="{70D01A08-6681-9849-9BAF-A7757C293554}" type="datetimeFigureOut">
               <a:rPr lang="en-US" smtClean="0"/>
-              <a:t>9/27/18</a:t>
+              <a:t>10/7/20</a:t>
             </a:fld>
             <a:endParaRPr lang="en-US"/>
           </a:p>
@@ -3318,7 +3318,7 @@
           <a:p>
             <a:fld id="{70D01A08-6681-9849-9BAF-A7757C293554}" type="datetimeFigureOut">
               <a:rPr lang="en-US" smtClean="0"/>
-              <a:t>9/27/18</a:t>
+              <a:t>10/7/20</a:t>
             </a:fld>
             <a:endParaRPr lang="en-US"/>
           </a:p>
@@ -4368,6 +4368,60 @@
           </a:p>
         </p:txBody>
       </p:sp>
+      <p:sp>
+        <p:nvSpPr>
+          <p:cNvPr id="20" name="Rectangle 19">
+            <a:extLst>
+              <a:ext uri="{FF2B5EF4-FFF2-40B4-BE49-F238E27FC236}">
+                <a16:creationId xmlns:a16="http://schemas.microsoft.com/office/drawing/2014/main" id="{3ED47AC4-A693-6440-967B-5851591E1EA0}"/>
+              </a:ext>
+            </a:extLst>
+          </p:cNvPr>
+          <p:cNvSpPr/>
+          <p:nvPr/>
+        </p:nvSpPr>
+        <p:spPr>
+          <a:xfrm>
+            <a:off x="91577" y="643237"/>
+            <a:ext cx="3550587" cy="2446638"/>
+          </a:xfrm>
+          <a:prstGeom prst="rect">
+            <a:avLst/>
+          </a:prstGeom>
+          <a:solidFill>
+            <a:schemeClr val="bg1"/>
+          </a:solidFill>
+        </p:spPr>
+        <p:style>
+          <a:lnRef idx="2">
+            <a:schemeClr val="accent1">
+              <a:shade val="50000"/>
+            </a:schemeClr>
+          </a:lnRef>
+          <a:fillRef idx="1">
+            <a:schemeClr val="accent1"/>
+          </a:fillRef>
+          <a:effectRef idx="0">
+            <a:schemeClr val="accent1"/>
+          </a:effectRef>
+          <a:fontRef idx="minor">
+            <a:schemeClr val="lt1"/>
+          </a:fontRef>
+        </p:style>
+        <p:txBody>
+          <a:bodyPr rot="0" spcFirstLastPara="0" vertOverflow="overflow" horzOverflow="overflow" vert="horz" wrap="square" lIns="91440" tIns="45720" rIns="91440" bIns="45720" numCol="1" spcCol="0" rtlCol="0" fromWordArt="0" anchor="ctr" anchorCtr="0" forceAA="0" compatLnSpc="1">
+            <a:prstTxWarp prst="textNoShape">
+              <a:avLst/>
+            </a:prstTxWarp>
+            <a:noAutofit/>
+          </a:bodyPr>
+          <a:lstStyle/>
+          <a:p>
+            <a:pPr algn="ctr"/>
+            <a:endParaRPr lang="pt-BR"/>
+          </a:p>
+        </p:txBody>
+      </p:sp>
     </p:spTree>
     <p:extLst>
       <p:ext uri="{BB962C8B-B14F-4D97-AF65-F5344CB8AC3E}">
@@ -4613,24 +4667,59 @@
                                   </p:subTnLst>
                                 </p:cTn>
                               </p:par>
+                              <p:par>
+                                <p:cTn id="17" presetID="9" presetClass="entr" presetSubtype="0" fill="hold" grpId="0" nodeType="withEffect">
+                                  <p:stCondLst>
+                                    <p:cond delay="500"/>
+                                  </p:stCondLst>
+                                  <p:childTnLst>
+                                    <p:set>
+                                      <p:cBhvr>
+                                        <p:cTn id="18" dur="1" fill="hold">
+                                          <p:stCondLst>
+                                            <p:cond delay="0"/>
+                                          </p:stCondLst>
+                                        </p:cTn>
+                                        <p:tgtEl>
+                                          <p:spTgt spid="20"/>
+                                        </p:tgtEl>
+                                        <p:attrNameLst>
+                                          <p:attrName>style.visibility</p:attrName>
+                                        </p:attrNameLst>
+                                      </p:cBhvr>
+                                      <p:to>
+                                        <p:strVal val="visible"/>
+                                      </p:to>
+                                    </p:set>
+                                    <p:animEffect transition="in" filter="dissolve">
+                                      <p:cBhvr>
+                                        <p:cTn id="19" dur="500"/>
+                                        <p:tgtEl>
+                                          <p:spTgt spid="20"/>
+                                        </p:tgtEl>
+                                      </p:cBhvr>
+                                    </p:animEffect>
+                                  </p:childTnLst>
+                                </p:cTn>
+                              </p:par>
                             </p:childTnLst>
                           </p:cTn>
                         </p:par>
                         <p:par>
-                          <p:cTn id="17" fill="hold">
+                          <p:cTn id="20" fill="hold">
                             <p:stCondLst>
-                              <p:cond delay="500"/>
+                              <p:cond delay="1000"/>
                             </p:stCondLst>
                             <p:childTnLst>
                               <p:par>
-                                <p:cTn id="18" presetID="9" presetClass="entr" presetSubtype="0" fill="hold" nodeType="afterEffect">
+                                <p:cTn id="21" presetID="9" presetClass="entr" presetSubtype="0" fill="hold" nodeType="afterEffect">
                                   <p:stCondLst>
                                     <p:cond delay="0"/>
                                   </p:stCondLst>
                                   <p:childTnLst>
                                     <p:set>
                                       <p:cBhvr>
-                                        <p:cTn id="19" dur="1" fill="hold">
+                                        <p:cTn id="22" dur="1" fill="hold">
                                           <p:stCondLst>
                                             <p:cond delay="0"/>
                                           </p:stCondLst>
@@ -4648,7 +4737,7 @@
                                     </p:set>
                                     <p:animEffect transition="in" filter="dissolve">
                                       <p:cBhvr>
-                                        <p:cTn id="20" dur="1000"/>
+                                        <p:cTn id="23" dur="1000"/>
                                         <p:tgtEl>
                                           <p:spTgt spid="28"/>
                                         </p:tgtEl>
@@ -4661,20 +4750,20 @@
                           </p:cTn>
                         </p:par>
                         <p:par>
-                          <p:cTn id="21" fill="hold">
+                          <p:cTn id="24" fill="hold">
                             <p:stCondLst>
-                              <p:cond delay="1500"/>
+                              <p:cond delay="2000"/>
                             </p:stCondLst>
                             <p:childTnLst>
                               <p:par>
-                                <p:cTn id="22" presetID="0" presetClass="path" presetSubtype="0" accel="50000" decel="50000" fill="hold" nodeType="afterEffect">
+                                <p:cTn id="25" presetID="0" presetClass="path" presetSubtype="0" accel="50000" decel="50000" fill="hold" nodeType="afterEffect">
                                   <p:stCondLst>
                                     <p:cond delay="0"/>
                                   </p:stCondLst>
                                   <p:childTnLst>
                                     <p:animMotion origin="layout" path="M 2.71762E-6 -1.0632E-6 L 0.30883 0.00588 " pathEditMode="relative" rAng="0" ptsTypes="AA">
                                       <p:cBhvr>
-                                        <p:cTn id="23" dur="2000" fill="hold"/>
+                                        <p:cTn id="26" dur="2000" fill="hold"/>
                                         <p:tgtEl>
                                           <p:spTgt spid="28"/>
                                         </p:tgtEl>
@@ -4692,20 +4781,20 @@
                           </p:cTn>
                         </p:par>
                         <p:par>
-                          <p:cTn id="24" fill="hold">
+                          <p:cTn id="27" fill="hold">
                             <p:stCondLst>
-                              <p:cond delay="3500"/>
+                              <p:cond delay="4000"/>
                             </p:stCondLst>
                             <p:childTnLst>
                               <p:par>
-                                <p:cTn id="25" presetID="14" presetClass="entr" presetSubtype="10" fill="hold" grpId="0" nodeType="afterEffect">
+                                <p:cTn id="28" presetID="14" presetClass="entr" presetSubtype="10" fill="hold" grpId="0" nodeType="afterEffect">
                                   <p:stCondLst>
                                     <p:cond delay="0"/>
                                   </p:stCondLst>
                                   <p:childTnLst>
                                     <p:set>
                                       <p:cBhvr>
-                                        <p:cTn id="26" dur="1" fill="hold">
+                                        <p:cTn id="29" dur="1" fill="hold">
                                           <p:stCondLst>
                                             <p:cond delay="0"/>
                                           </p:stCondLst>
@@ -4723,7 +4812,7 @@
                                     </p:set>
                                     <p:animEffect transition="in" filter="randombar(horizontal)">
                                       <p:cBhvr>
-                                        <p:cTn id="27" dur="2000"/>
+                                        <p:cTn id="30" dur="2000"/>
                                         <p:tgtEl>
                                           <p:spTgt spid="15"/>
                                         </p:tgtEl>
@@ -4763,6 +4852,7 @@
       <p:bldP spid="4" grpId="0"/>
       <p:bldP spid="8" grpId="1" animBg="1"/>
       <p:bldP spid="15" grpId="0"/>
+      <p:bldP spid="20" grpId="0" animBg="1"/>
     </p:bldLst>
   </p:timing>
 </p:sld>
@@ -5430,6 +5520,60 @@
           </a:p>
         </p:txBody>
       </p:sp>
+      <p:sp>
+        <p:nvSpPr>
+          <p:cNvPr id="19" name="Rectangle 18">
+            <a:extLst>
+              <a:ext uri="{FF2B5EF4-FFF2-40B4-BE49-F238E27FC236}">
+                <a16:creationId xmlns:a16="http://schemas.microsoft.com/office/drawing/2014/main" id="{2CB66752-01E2-8540-8A21-5F2E566122E4}"/>
+              </a:ext>
+            </a:extLst>
+          </p:cNvPr>
+          <p:cNvSpPr/>
+          <p:nvPr/>
+        </p:nvSpPr>
+        <p:spPr>
+          <a:xfrm>
+            <a:off x="91577" y="643237"/>
+            <a:ext cx="3550587" cy="2446638"/>
+          </a:xfrm>
+          <a:prstGeom prst="rect">
+            <a:avLst/>
+          </a:prstGeom>
+          <a:solidFill>
+            <a:schemeClr val="bg1"/>
+          </a:solidFill>
+        </p:spPr>
+        <p:style>
+          <a:lnRef idx="2">
+            <a:schemeClr val="accent1">
+              <a:shade val="50000"/>
+            </a:schemeClr>
+          </a:lnRef>
+          <a:fillRef idx="1">
+            <a:schemeClr val="accent1"/>
+          </a:fillRef>
+          <a:effectRef idx="0">
+            <a:schemeClr val="accent1"/>
+          </a:effectRef>
+          <a:fontRef idx="minor">
+            <a:schemeClr val="lt1"/>
+          </a:fontRef>
+        </p:style>
+        <p:txBody>
+          <a:bodyPr rot="0" spcFirstLastPara="0" vertOverflow="overflow" horzOverflow="overflow" vert="horz" wrap="square" lIns="91440" tIns="45720" rIns="91440" bIns="45720" numCol="1" spcCol="0" rtlCol="0" fromWordArt="0" anchor="ctr" anchorCtr="0" forceAA="0" compatLnSpc="1">
+            <a:prstTxWarp prst="textNoShape">
+              <a:avLst/>
+            </a:prstTxWarp>
+            <a:noAutofit/>
+          </a:bodyPr>
+          <a:lstStyle/>
+          <a:p>
+            <a:pPr algn="ctr"/>
+            <a:endParaRPr lang="pt-BR" dirty="0"/>
+          </a:p>
+        </p:txBody>
+      </p:sp>
     </p:spTree>
     <p:extLst>
       <p:ext uri="{BB962C8B-B14F-4D97-AF65-F5344CB8AC3E}">
@@ -5529,6 +5673,41 @@
                                   </p:childTnLst>
                                 </p:cTn>
                               </p:par>
+                              <p:par>
+                                <p:cTn id="11" presetID="9" presetClass="exit" presetSubtype="0" fill="hold" grpId="0" nodeType="withEffect">
+                                  <p:stCondLst>
+                                    <p:cond delay="1500"/>
+                                  </p:stCondLst>
+                                  <p:childTnLst>
+                                    <p:animEffect transition="out" filter="dissolve">
+                                      <p:cBhvr>
+                                        <p:cTn id="12" dur="500"/>
+                                        <p:tgtEl>
+                                          <p:spTgt spid="19"/>
+                                        </p:tgtEl>
+                                      </p:cBhvr>
+                                    </p:animEffect>
+                                    <p:set>
+                                      <p:cBhvr>
+                                        <p:cTn id="13" dur="1" fill="hold">
+                                          <p:stCondLst>
+                                            <p:cond delay="499"/>
+                                          </p:stCondLst>
+                                        </p:cTn>
+                                        <p:tgtEl>
+                                          <p:spTgt spid="19"/>
+                                        </p:tgtEl>
+                                        <p:attrNameLst>
+                                          <p:attrName>style.visibility</p:attrName>
+                                        </p:attrNameLst>
+                                      </p:cBhvr>
+                                      <p:to>
+                                        <p:strVal val="hidden"/>
+                                      </p:to>
+                                    </p:set>
+                                  </p:childTnLst>
+                                </p:cTn>
+                              </p:par>
                             </p:childTnLst>
                           </p:cTn>
                         </p:par>
@@ -5559,6 +5738,7 @@
     <p:bldLst>
       <p:bldP spid="15" grpId="0"/>
       <p:bldP spid="15" grpId="1"/>
+      <p:bldP spid="19" grpId="0" animBg="1"/>
     </p:bldLst>
   </p:timing>
 </p:sld>
@@ -6334,6 +6514,60 @@
               <a:rPr lang="pt-BR" sz="7200" dirty="0"/>
               <a:t>✅</a:t>
             </a:r>
+          </a:p>
+        </p:txBody>
+      </p:sp>
+      <p:sp>
+        <p:nvSpPr>
+          <p:cNvPr id="23" name="Rectangle 22">
+            <a:extLst>
+              <a:ext uri="{FF2B5EF4-FFF2-40B4-BE49-F238E27FC236}">
+                <a16:creationId xmlns:a16="http://schemas.microsoft.com/office/drawing/2014/main" id="{02511899-97D2-A84B-A4DA-7CAB2F5D7275}"/>
+              </a:ext>
+            </a:extLst>
+          </p:cNvPr>
+          <p:cNvSpPr/>
+          <p:nvPr/>
+        </p:nvSpPr>
+        <p:spPr>
+          <a:xfrm>
+            <a:off x="91577" y="643237"/>
+            <a:ext cx="3550587" cy="2446638"/>
+          </a:xfrm>
+          <a:prstGeom prst="rect">
+            <a:avLst/>
+          </a:prstGeom>
+          <a:solidFill>
+            <a:schemeClr val="bg1"/>
+          </a:solidFill>
+        </p:spPr>
+        <p:style>
+          <a:lnRef idx="2">
+            <a:schemeClr val="accent1">
+              <a:shade val="50000"/>
+            </a:schemeClr>
+          </a:lnRef>
+          <a:fillRef idx="1">
+            <a:schemeClr val="accent1"/>
+          </a:fillRef>
+          <a:effectRef idx="0">
+            <a:schemeClr val="accent1"/>
+          </a:effectRef>
+          <a:fontRef idx="minor">
+            <a:schemeClr val="lt1"/>
+          </a:fontRef>
+        </p:style>
+        <p:txBody>
+          <a:bodyPr rot="0" spcFirstLastPara="0" vertOverflow="overflow" horzOverflow="overflow" vert="horz" wrap="square" lIns="91440" tIns="45720" rIns="91440" bIns="45720" numCol="1" spcCol="0" rtlCol="0" fromWordArt="0" anchor="ctr" anchorCtr="0" forceAA="0" compatLnSpc="1">
+            <a:prstTxWarp prst="textNoShape">
+              <a:avLst/>
+            </a:prstTxWarp>
+            <a:noAutofit/>
+          </a:bodyPr>
+          <a:lstStyle/>
+          <a:p>
+            <a:pPr algn="ctr"/>
+            <a:endParaRPr lang="pt-BR"/>
           </a:p>
         </p:txBody>
       </p:sp>
@@ -6736,24 +6970,59 @@
                                   </p:subTnLst>
                                 </p:cTn>
                               </p:par>
-                            </p:childTnLst>
-                          </p:cTn>
-                        </p:par>
-                        <p:par>
-                          <p:cTn id="25" fill="hold">
-                            <p:stCondLst>
-                              <p:cond delay="500"/>
-                            </p:stCondLst>
-                            <p:childTnLst>
                               <p:par>
-                                <p:cTn id="26" presetID="9" presetClass="entr" presetSubtype="0" fill="hold" nodeType="afterEffect">
+                                <p:cTn id="25" presetID="9" presetClass="entr" presetSubtype="0" fill="hold" grpId="0" nodeType="withEffect">
                                   <p:stCondLst>
                                     <p:cond delay="0"/>
                                   </p:stCondLst>
                                   <p:childTnLst>
                                     <p:set>
                                       <p:cBhvr>
-                                        <p:cTn id="27" dur="1" fill="hold">
+                                        <p:cTn id="26" dur="1" fill="hold">
+                                          <p:stCondLst>
+                                            <p:cond delay="0"/>
+                                          </p:stCondLst>
+                                        </p:cTn>
+                                        <p:tgtEl>
+                                          <p:spTgt spid="23"/>
+                                        </p:tgtEl>
+                                        <p:attrNameLst>
+                                          <p:attrName>style.visibility</p:attrName>
+                                        </p:attrNameLst>
+                                      </p:cBhvr>
+                                      <p:to>
+                                        <p:strVal val="visible"/>
+                                      </p:to>
+                                    </p:set>
+                                    <p:animEffect transition="in" filter="dissolve">
+                                      <p:cBhvr>
+                                        <p:cTn id="27" dur="500"/>
+                                        <p:tgtEl>
+                                          <p:spTgt spid="23"/>
+                                        </p:tgtEl>
+                                      </p:cBhvr>
+                                    </p:animEffect>
+                                  </p:childTnLst>
+                                </p:cTn>
+                              </p:par>
+                            </p:childTnLst>
+                          </p:cTn>
+                        </p:par>
+                        <p:par>
+                          <p:cTn id="28" fill="hold">
+                            <p:stCondLst>
+                              <p:cond delay="500"/>
+                            </p:stCondLst>
+                            <p:childTnLst>
+                              <p:par>
+                                <p:cTn id="29" presetID="9" presetClass="entr" presetSubtype="0" fill="hold" nodeType="afterEffect">
+                                  <p:stCondLst>
+                                    <p:cond delay="0"/>
+                                  </p:stCondLst>
+                                  <p:childTnLst>
+                                    <p:set>
+                                      <p:cBhvr>
+                                        <p:cTn id="30" dur="1" fill="hold">
                                           <p:stCondLst>
                                             <p:cond delay="0"/>
                                           </p:stCondLst>
@@ -6771,7 +7040,7 @@
                                     </p:set>
                                     <p:animEffect transition="in" filter="dissolve">
                                       <p:cBhvr>
-                                        <p:cTn id="28" dur="1000"/>
+                                        <p:cTn id="31" dur="1000"/>
                                         <p:tgtEl>
                                           <p:spTgt spid="28"/>
                                         </p:tgtEl>
@@ -6784,20 +7053,20 @@
                           </p:cTn>
                         </p:par>
                         <p:par>
-                          <p:cTn id="29" fill="hold">
+                          <p:cTn id="32" fill="hold">
                             <p:stCondLst>
                               <p:cond delay="1500"/>
                             </p:stCondLst>
                             <p:childTnLst>
                               <p:par>
-                                <p:cTn id="30" presetID="0" presetClass="path" presetSubtype="0" accel="50000" decel="50000" fill="hold" nodeType="afterEffect">
+                                <p:cTn id="33" presetID="0" presetClass="path" presetSubtype="0" accel="50000" decel="50000" fill="hold" nodeType="afterEffect">
                                   <p:stCondLst>
                                     <p:cond delay="0"/>
                                   </p:stCondLst>
                                   <p:childTnLst>
                                     <p:animMotion origin="layout" path="M -4.68724E-7 -1.0632E-6 L 0.30884 0.00588 " pathEditMode="relative" rAng="0" ptsTypes="AA">
                                       <p:cBhvr>
-                                        <p:cTn id="31" dur="2000" fill="hold"/>
+                                        <p:cTn id="34" dur="2000" fill="hold"/>
                                         <p:tgtEl>
                                           <p:spTgt spid="28"/>
                                         </p:tgtEl>
@@ -6815,20 +7084,20 @@
                           </p:cTn>
                         </p:par>
                         <p:par>
-                          <p:cTn id="32" fill="hold">
+                          <p:cTn id="35" fill="hold">
                             <p:stCondLst>
                               <p:cond delay="3500"/>
                             </p:stCondLst>
                             <p:childTnLst>
                               <p:par>
-                                <p:cTn id="33" presetID="14" presetClass="entr" presetSubtype="10" fill="hold" grpId="0" nodeType="afterEffect">
+                                <p:cTn id="36" presetID="14" presetClass="entr" presetSubtype="10" fill="hold" grpId="0" nodeType="afterEffect">
                                   <p:stCondLst>
                                     <p:cond delay="0"/>
                                   </p:stCondLst>
                                   <p:childTnLst>
                                     <p:set>
                                       <p:cBhvr>
-                                        <p:cTn id="34" dur="1" fill="hold">
+                                        <p:cTn id="37" dur="1" fill="hold">
                                           <p:stCondLst>
                                             <p:cond delay="0"/>
                                           </p:stCondLst>
@@ -6846,7 +7115,7 @@
                                     </p:set>
                                     <p:animEffect transition="in" filter="randombar(horizontal)">
                                       <p:cBhvr>
-                                        <p:cTn id="35" dur="1000"/>
+                                        <p:cTn id="38" dur="1000"/>
                                         <p:tgtEl>
                                           <p:spTgt spid="15"/>
                                         </p:tgtEl>
@@ -6859,20 +7128,20 @@
                           </p:cTn>
                         </p:par>
                         <p:par>
-                          <p:cTn id="36" fill="hold">
+                          <p:cTn id="39" fill="hold">
                             <p:stCondLst>
                               <p:cond delay="4500"/>
                             </p:stCondLst>
                             <p:childTnLst>
                               <p:par>
-                                <p:cTn id="37" presetID="14" presetClass="entr" presetSubtype="10" fill="hold" grpId="0" nodeType="afterEffect">
+                                <p:cTn id="40" presetID="14" presetClass="entr" presetSubtype="10" fill="hold" grpId="0" nodeType="afterEffect">
                                   <p:stCondLst>
                                     <p:cond delay="0"/>
                                   </p:stCondLst>
                                   <p:childTnLst>
                                     <p:set>
                                       <p:cBhvr>
-                                        <p:cTn id="38" dur="1" fill="hold">
+                                        <p:cTn id="41" dur="1" fill="hold">
                                           <p:stCondLst>
                                             <p:cond delay="0"/>
                                           </p:stCondLst>
@@ -6890,7 +7159,7 @@
                                     </p:set>
                                     <p:animEffect transition="in" filter="randombar(horizontal)">
                                       <p:cBhvr>
-                                        <p:cTn id="39" dur="1000"/>
+                                        <p:cTn id="42" dur="1000"/>
                                         <p:tgtEl>
                                           <p:spTgt spid="21"/>
                                         </p:tgtEl>
@@ -6900,14 +7169,14 @@
                                 </p:cTn>
                               </p:par>
                               <p:par>
-                                <p:cTn id="40" presetID="9" presetClass="exit" presetSubtype="0" fill="hold" grpId="1" nodeType="withEffect">
+                                <p:cTn id="43" presetID="9" presetClass="exit" presetSubtype="0" fill="hold" grpId="1" nodeType="withEffect">
                                   <p:stCondLst>
                                     <p:cond delay="0"/>
                                   </p:stCondLst>
                                   <p:childTnLst>
                                     <p:animEffect transition="out" filter="dissolve">
                                       <p:cBhvr>
-                                        <p:cTn id="41" dur="2000"/>
+                                        <p:cTn id="44" dur="2000"/>
                                         <p:tgtEl>
                                           <p:spTgt spid="15"/>
                                         </p:tgtEl>
@@ -6915,7 +7184,7 @@
                                     </p:animEffect>
                                     <p:set>
                                       <p:cBhvr>
-                                        <p:cTn id="42" dur="1" fill="hold">
+                                        <p:cTn id="45" dur="1" fill="hold">
                                           <p:stCondLst>
                                             <p:cond delay="1999"/>
                                           </p:stCondLst>
@@ -6938,20 +7207,20 @@
                           </p:cTn>
                         </p:par>
                         <p:par>
-                          <p:cTn id="43" fill="hold">
+                          <p:cTn id="46" fill="hold">
                             <p:stCondLst>
                               <p:cond delay="6500"/>
                             </p:stCondLst>
                             <p:childTnLst>
                               <p:par>
-                                <p:cTn id="44" presetID="0" presetClass="path" presetSubtype="0" decel="50000" fill="hold" grpId="1" nodeType="afterEffect">
+                                <p:cTn id="47" presetID="0" presetClass="path" presetSubtype="0" decel="50000" fill="hold" grpId="1" nodeType="afterEffect">
                                   <p:stCondLst>
                                     <p:cond delay="0"/>
                                   </p:stCondLst>
                                   <p:childTnLst>
                                     <p:animMotion origin="layout" path="M 2.15091E-6 3.17001E-6 L -0.50041 -0.00098 " pathEditMode="relative" rAng="0" ptsTypes="AA">
                                       <p:cBhvr>
-                                        <p:cTn id="45" dur="1000" fill="hold"/>
+                                        <p:cTn id="48" dur="1000" fill="hold"/>
                                         <p:tgtEl>
                                           <p:spTgt spid="21"/>
                                         </p:tgtEl>
@@ -6962,6 +7231,41 @@
                                       </p:cBhvr>
                                       <p:rCtr x="-25951" y="-245"/>
                                     </p:animMotion>
+                                  </p:childTnLst>
+                                </p:cTn>
+                              </p:par>
+                              <p:par>
+                                <p:cTn id="49" presetID="9" presetClass="exit" presetSubtype="0" fill="hold" grpId="1" nodeType="withEffect">
+                                  <p:stCondLst>
+                                    <p:cond delay="1000"/>
+                                  </p:stCondLst>
+                                  <p:childTnLst>
+                                    <p:animEffect transition="out" filter="dissolve">
+                                      <p:cBhvr>
+                                        <p:cTn id="50" dur="500"/>
+                                        <p:tgtEl>
+                                          <p:spTgt spid="23"/>
+                                        </p:tgtEl>
+                                      </p:cBhvr>
+                                    </p:animEffect>
+                                    <p:set>
+                                      <p:cBhvr>
+                                        <p:cTn id="51" dur="1" fill="hold">
+                                          <p:stCondLst>
+                                            <p:cond delay="499"/>
+                                          </p:stCondLst>
+                                        </p:cTn>
+                                        <p:tgtEl>
+                                          <p:spTgt spid="23"/>
+                                        </p:tgtEl>
+                                        <p:attrNameLst>
+                                          <p:attrName>style.visibility</p:attrName>
+                                        </p:attrNameLst>
+                                      </p:cBhvr>
+                                      <p:to>
+                                        <p:strVal val="hidden"/>
+                                      </p:to>
+                                    </p:set>
                                   </p:childTnLst>
                                 </p:cTn>
                               </p:par>
@@ -7000,6 +7304,8 @@
       <p:bldP spid="20" grpId="0"/>
       <p:bldP spid="21" grpId="0"/>
       <p:bldP spid="21" grpId="1"/>
+      <p:bldP spid="23" grpId="0" animBg="1"/>
+      <p:bldP spid="23" grpId="1" animBg="1"/>
     </p:bldLst>
   </p:timing>
 </p:sld>
